--- a/Reports/Final_Milestone/Final_ReportPresentation.pptx
+++ b/Reports/Final_Milestone/Final_ReportPresentation.pptx
@@ -4933,7 +4933,7 @@
           <a:p>
             <a:r>
               <a:rPr lang="en-US" dirty="0" smtClean="0"/>
-              <a:t>For Descriptive  Analysis, data was Extracted, Translated and Loaded in to data frames : A majority of the time was spent on getting clean data</a:t>
+              <a:t>For Descriptive  Analysis, data was Extracted, Translated and Loaded in to data frames : A bulk of the effort and time was spent on getting clean data</a:t>
             </a:r>
           </a:p>
           <a:p>
@@ -5701,7 +5701,9 @@
         </p:nvSpPr>
         <p:spPr/>
         <p:txBody>
-          <a:bodyPr/>
+          <a:bodyPr>
+            <a:normAutofit/>
+          </a:bodyPr>
           <a:lstStyle/>
           <a:p>
             <a:r>
@@ -5713,6 +5715,9 @@
             <a:endParaRPr lang="en-US" dirty="0"/>
           </a:p>
           <a:p>
+            <a:endParaRPr lang="en-US" dirty="0"/>
+          </a:p>
+          <a:p>
             <a:r>
               <a:rPr lang="en-US" dirty="0" smtClean="0"/>
               <a:t>More recent data</a:t>
@@ -5734,21 +5739,13 @@
         <p:spPr/>
         <p:txBody>
           <a:bodyPr>
-            <a:normAutofit fontScale="92500"/>
+            <a:normAutofit fontScale="92500" lnSpcReduction="20000"/>
           </a:bodyPr>
           <a:lstStyle/>
           <a:p>
             <a:r>
               <a:rPr lang="en-US" dirty="0" smtClean="0"/>
-              <a:t>Analysis can be performed on other predictors such as business permits, </a:t>
-            </a:r>
-            <a:r>
-              <a:rPr lang="en-US" dirty="0" err="1" smtClean="0"/>
-              <a:t>bldg</a:t>
-            </a:r>
-            <a:r>
-              <a:rPr lang="en-US" dirty="0" smtClean="0"/>
-              <a:t> improvement permits, restaurant permits</a:t>
+              <a:t>Analysis can be performed on other predictors such as business permits, building improvement permits, restaurant permits etc.</a:t>
             </a:r>
           </a:p>
           <a:p>
@@ -7058,13 +7055,8 @@
           <a:p>
             <a:r>
               <a:rPr lang="en-US" sz="1800" dirty="0" smtClean="0"/>
-              <a:t>Cleaning of data, fixed width format, and the sheer number of observations was a </a:t>
-            </a:r>
-            <a:r>
-              <a:rPr lang="en-US" sz="1800" dirty="0" err="1" smtClean="0"/>
-              <a:t>challange</a:t>
-            </a:r>
-            <a:endParaRPr lang="en-US" sz="1800" dirty="0" smtClean="0"/>
+              <a:t>Cleaning of data, fixed width format, and the sheer number of observations was a challenge</a:t>
+            </a:r>
           </a:p>
           <a:p>
             <a:endParaRPr lang="en-US" sz="1800" dirty="0" smtClean="0"/>
@@ -7580,15 +7572,26 @@
           </a:p>
           <a:p>
             <a:r>
+              <a:rPr lang="en-US" dirty="0"/>
+              <a:t>F</a:t>
+            </a:r>
+            <a:r>
               <a:rPr lang="en-US" dirty="0" smtClean="0"/>
-              <a:t>forecast  on every parcel would have been time consuming and resource intensive</a:t>
+              <a:t>orecast  on every parcel would have been time consuming and resource intensive</a:t>
             </a:r>
           </a:p>
           <a:p>
             <a:pPr lvl="1"/>
             <a:r>
               <a:rPr lang="en-US" dirty="0" smtClean="0"/>
-              <a:t>A random sample representative of the number of parcels  CORE, CENTER, BUFFER Zone</a:t>
+              <a:t>A random sample representative of the average number of parcels in EDGE, CORE, CENTER  BUFFER Zones was created </a:t>
+            </a:r>
+          </a:p>
+          <a:p>
+            <a:pPr lvl="1"/>
+            <a:r>
+              <a:rPr lang="en-US" dirty="0" smtClean="0"/>
+              <a:t>This was used for comparing parcels in the non-Buffer Zone with EDGE, CORE and CENTER Zones</a:t>
             </a:r>
           </a:p>
           <a:p>
@@ -7602,7 +7605,7 @@
             </a:r>
             <a:r>
               <a:rPr lang="en-US" dirty="0" smtClean="0"/>
-              <a:t>sing ClusterOfVars library, strongly related parcel ids were clustered together</a:t>
+              <a:t>sing ClustOfVars library, strongly related parcel ids were clustered together</a:t>
             </a:r>
           </a:p>
           <a:p>
@@ -7813,35 +7816,6 @@
               <a:t> </a:t>
             </a:r>
             <a:r>
-              <a:rPr lang="en-US" dirty="0" smtClean="0">
-                <a:solidFill>
-                  <a:schemeClr val="accent2"/>
-                </a:solidFill>
-              </a:rPr>
-              <a:t>SOURCE DATA </a:t>
-            </a:r>
-          </a:p>
-          <a:p>
-            <a:pPr lvl="2"/>
-            <a:r>
-              <a:rPr lang="en-US" dirty="0" smtClean="0"/>
-              <a:t>Years 2007-2012 – TRAINING</a:t>
-            </a:r>
-          </a:p>
-          <a:p>
-            <a:pPr lvl="2"/>
-            <a:r>
-              <a:rPr lang="en-US" dirty="0" smtClean="0"/>
-              <a:t>Years 2013-2014 – TEST SET</a:t>
-            </a:r>
-          </a:p>
-          <a:p>
-            <a:pPr lvl="1"/>
-            <a:r>
-              <a:rPr lang="en-US" dirty="0" smtClean="0"/>
-              <a:t> </a:t>
-            </a:r>
-            <a:r>
               <a:rPr lang="en-US" b="1" spc="300" dirty="0" smtClean="0">
                 <a:ln w="11430" cmpd="sng">
                   <a:solidFill>
@@ -7880,11 +7854,62 @@
                   </a:glow>
                 </a:effectLst>
               </a:rPr>
-              <a:t>PREDICTED DATA </a:t>
+              <a:t>SOURCE DATA </a:t>
             </a:r>
             <a:endParaRPr lang="en-US" dirty="0" smtClean="0">
               <a:solidFill>
-                <a:srgbClr val="DA1F28"/>
+                <a:schemeClr val="accent2"/>
+              </a:solidFill>
+            </a:endParaRPr>
+          </a:p>
+          <a:p>
+            <a:pPr lvl="2"/>
+            <a:r>
+              <a:rPr lang="en-US" dirty="0" smtClean="0"/>
+              <a:t>Years 2007-2012 – TRAINING</a:t>
+            </a:r>
+          </a:p>
+          <a:p>
+            <a:pPr lvl="2"/>
+            <a:r>
+              <a:rPr lang="en-US" dirty="0" smtClean="0"/>
+              <a:t>Years 2013-2014 – TEST SET</a:t>
+            </a:r>
+          </a:p>
+          <a:p>
+            <a:pPr lvl="1"/>
+            <a:r>
+              <a:rPr lang="en-US" dirty="0" smtClean="0"/>
+              <a:t> </a:t>
+            </a:r>
+            <a:r>
+              <a:rPr lang="en-US" b="1" spc="300" dirty="0" smtClean="0">
+                <a:ln w="11430" cmpd="sng">
+                  <a:solidFill>
+                    <a:schemeClr val="accent1">
+                      <a:tint val="10000"/>
+                    </a:schemeClr>
+                  </a:solidFill>
+                  <a:prstDash val="solid"/>
+                  <a:miter lim="800000"/>
+                </a:ln>
+                <a:solidFill>
+                  <a:schemeClr val="accent2"/>
+                </a:solidFill>
+                <a:effectLst>
+                  <a:glow rad="45500">
+                    <a:schemeClr val="accent1">
+                      <a:satMod val="220000"/>
+                      <a:alpha val="35000"/>
+                    </a:schemeClr>
+                  </a:glow>
+                </a:effectLst>
+              </a:rPr>
+              <a:t>PREDICTED DATA </a:t>
+            </a:r>
+            <a:endParaRPr lang="en-US" dirty="0" smtClean="0">
+              <a:solidFill>
+                <a:schemeClr val="accent2"/>
               </a:solidFill>
             </a:endParaRPr>
           </a:p>
@@ -8288,7 +8313,7 @@
         </p:blipFill>
         <p:spPr>
           <a:xfrm>
-            <a:off x="1828800" y="209550"/>
+            <a:off x="1828800" y="285750"/>
             <a:ext cx="6880766" cy="5004194"/>
           </a:xfrm>
           <a:prstGeom prst="rect">
@@ -8354,6 +8379,182 @@
           </a:p>
           <a:p>
             <a:endParaRPr lang="en-US" dirty="0"/>
+          </a:p>
+        </p:txBody>
+      </p:sp>
+      <p:sp>
+        <p:nvSpPr>
+          <p:cNvPr id="10" name="Rectangle 9"/>
+          <p:cNvSpPr/>
+          <p:nvPr/>
+        </p:nvSpPr>
+        <p:spPr>
+          <a:xfrm>
+            <a:off x="4114800" y="895350"/>
+            <a:ext cx="762000" cy="1676400"/>
+          </a:xfrm>
+          <a:prstGeom prst="rect">
+            <a:avLst/>
+          </a:prstGeom>
+          <a:noFill/>
+          <a:ln>
+            <a:solidFill>
+              <a:schemeClr val="accent2"/>
+            </a:solidFill>
+          </a:ln>
+        </p:spPr>
+        <p:style>
+          <a:lnRef idx="1">
+            <a:schemeClr val="accent1"/>
+          </a:lnRef>
+          <a:fillRef idx="3">
+            <a:schemeClr val="accent1"/>
+          </a:fillRef>
+          <a:effectRef idx="2">
+            <a:schemeClr val="accent1"/>
+          </a:effectRef>
+          <a:fontRef idx="minor">
+            <a:schemeClr val="lt1"/>
+          </a:fontRef>
+        </p:style>
+        <p:txBody>
+          <a:bodyPr rtlCol="0" anchor="ctr"/>
+          <a:lstStyle/>
+          <a:p>
+            <a:pPr algn="ctr"/>
+            <a:endParaRPr lang="en-US"/>
+          </a:p>
+        </p:txBody>
+      </p:sp>
+      <p:sp>
+        <p:nvSpPr>
+          <p:cNvPr id="11" name="Rectangle 10"/>
+          <p:cNvSpPr/>
+          <p:nvPr/>
+        </p:nvSpPr>
+        <p:spPr>
+          <a:xfrm>
+            <a:off x="6248400" y="895350"/>
+            <a:ext cx="685800" cy="1676400"/>
+          </a:xfrm>
+          <a:prstGeom prst="rect">
+            <a:avLst/>
+          </a:prstGeom>
+          <a:noFill/>
+          <a:ln>
+            <a:solidFill>
+              <a:schemeClr val="accent2"/>
+            </a:solidFill>
+          </a:ln>
+        </p:spPr>
+        <p:style>
+          <a:lnRef idx="1">
+            <a:schemeClr val="accent1"/>
+          </a:lnRef>
+          <a:fillRef idx="3">
+            <a:schemeClr val="accent1"/>
+          </a:fillRef>
+          <a:effectRef idx="2">
+            <a:schemeClr val="accent1"/>
+          </a:effectRef>
+          <a:fontRef idx="minor">
+            <a:schemeClr val="lt1"/>
+          </a:fontRef>
+        </p:style>
+        <p:txBody>
+          <a:bodyPr rtlCol="0" anchor="ctr"/>
+          <a:lstStyle/>
+          <a:p>
+            <a:pPr algn="ctr"/>
+            <a:endParaRPr lang="en-US"/>
+          </a:p>
+        </p:txBody>
+      </p:sp>
+      <p:sp>
+        <p:nvSpPr>
+          <p:cNvPr id="12" name="Rectangle 11"/>
+          <p:cNvSpPr/>
+          <p:nvPr/>
+        </p:nvSpPr>
+        <p:spPr>
+          <a:xfrm>
+            <a:off x="4191000" y="2952750"/>
+            <a:ext cx="685800" cy="1905000"/>
+          </a:xfrm>
+          <a:prstGeom prst="rect">
+            <a:avLst/>
+          </a:prstGeom>
+          <a:noFill/>
+          <a:ln>
+            <a:solidFill>
+              <a:schemeClr val="accent2"/>
+            </a:solidFill>
+          </a:ln>
+        </p:spPr>
+        <p:style>
+          <a:lnRef idx="1">
+            <a:schemeClr val="accent1"/>
+          </a:lnRef>
+          <a:fillRef idx="3">
+            <a:schemeClr val="accent1"/>
+          </a:fillRef>
+          <a:effectRef idx="2">
+            <a:schemeClr val="accent1"/>
+          </a:effectRef>
+          <a:fontRef idx="minor">
+            <a:schemeClr val="lt1"/>
+          </a:fontRef>
+        </p:style>
+        <p:txBody>
+          <a:bodyPr rtlCol="0" anchor="ctr"/>
+          <a:lstStyle/>
+          <a:p>
+            <a:pPr algn="ctr"/>
+            <a:endParaRPr lang="en-US"/>
+          </a:p>
+        </p:txBody>
+      </p:sp>
+      <p:sp>
+        <p:nvSpPr>
+          <p:cNvPr id="13" name="Rectangle 12"/>
+          <p:cNvSpPr/>
+          <p:nvPr/>
+        </p:nvSpPr>
+        <p:spPr>
+          <a:xfrm>
+            <a:off x="6248400" y="2876550"/>
+            <a:ext cx="685800" cy="1981200"/>
+          </a:xfrm>
+          <a:prstGeom prst="rect">
+            <a:avLst/>
+          </a:prstGeom>
+          <a:noFill/>
+          <a:ln>
+            <a:solidFill>
+              <a:schemeClr val="accent2"/>
+            </a:solidFill>
+          </a:ln>
+        </p:spPr>
+        <p:style>
+          <a:lnRef idx="1">
+            <a:schemeClr val="accent1"/>
+          </a:lnRef>
+          <a:fillRef idx="3">
+            <a:schemeClr val="accent1"/>
+          </a:fillRef>
+          <a:effectRef idx="2">
+            <a:schemeClr val="accent1"/>
+          </a:effectRef>
+          <a:fontRef idx="minor">
+            <a:schemeClr val="lt1"/>
+          </a:fontRef>
+        </p:style>
+        <p:txBody>
+          <a:bodyPr rtlCol="0" anchor="ctr"/>
+          <a:lstStyle/>
+          <a:p>
+            <a:pPr algn="ctr"/>
+            <a:endParaRPr lang="en-US"/>
           </a:p>
         </p:txBody>
       </p:sp>
@@ -8367,6 +8568,13 @@
   <p:clrMapOvr>
     <a:masterClrMapping/>
   </p:clrMapOvr>
+  <p:timing>
+    <p:tnLst>
+      <p:par>
+        <p:cTn xmlns:p14="http://schemas.microsoft.com/office/powerpoint/2010/main" id="1" dur="indefinite" restart="never" nodeType="tmRoot"/>
+      </p:par>
+    </p:tnLst>
+  </p:timing>
 </p:sld>
 </file>
 

--- a/Reports/Final_Milestone/Final_ReportPresentation.pptx
+++ b/Reports/Final_Milestone/Final_ReportPresentation.pptx
@@ -4906,7 +4906,7 @@
           <a:p>
             <a:r>
               <a:rPr lang="en-US" dirty="0" smtClean="0"/>
-              <a:t>Visualizations</a:t>
+              <a:t>Visualization</a:t>
             </a:r>
           </a:p>
         </p:txBody>
@@ -5044,14 +5044,14 @@
             <p:ph sz="quarter" idx="13"/>
             <p:extLst>
               <p:ext uri="{D42A27DB-BD31-4B8C-83A1-F6EECF244321}">
-                <p14:modId xmlns:p14="http://schemas.microsoft.com/office/powerpoint/2010/main" val="3365538663"/>
+                <p14:modId xmlns:p14="http://schemas.microsoft.com/office/powerpoint/2010/main" val="2361919889"/>
               </p:ext>
             </p:extLst>
           </p:nvPr>
         </p:nvGraphicFramePr>
         <p:xfrm>
-          <a:off x="609600" y="1428750"/>
-          <a:ext cx="8153400" cy="3545839"/>
+          <a:off x="1295400" y="1276350"/>
+          <a:ext cx="6934200" cy="3566160"/>
         </p:xfrm>
         <a:graphic>
           <a:graphicData uri="http://schemas.openxmlformats.org/drawingml/2006/table">
@@ -5060,10 +5060,10 @@
                 <a:tableStyleId>{5C22544A-7EE6-4342-B048-85BDC9FD1C3A}</a:tableStyleId>
               </a:tblPr>
               <a:tblGrid>
-                <a:gridCol w="4076700"/>
-                <a:gridCol w="4076700"/>
+                <a:gridCol w="3467100"/>
+                <a:gridCol w="3467100"/>
               </a:tblGrid>
-              <a:tr h="370840">
+              <a:tr h="316899">
                 <a:tc>
                   <a:txBody>
                     <a:bodyPr/>
@@ -5093,29 +5093,21 @@
                   <a:tcPr/>
                 </a:tc>
               </a:tr>
-              <a:tr h="370840">
+              <a:tr h="448940">
                 <a:tc>
                   <a:txBody>
                     <a:bodyPr/>
                     <a:lstStyle/>
                     <a:p>
                       <a:r>
-                        <a:rPr lang="en-US" sz="1400" dirty="0" smtClean="0"/>
+                        <a:rPr lang="en-US" sz="1200" dirty="0" smtClean="0"/>
                         <a:t>Data</a:t>
                       </a:r>
                       <a:r>
-                        <a:rPr lang="en-US" sz="1400" baseline="0" dirty="0" smtClean="0"/>
-                        <a:t> was not clean </a:t>
+                        <a:rPr lang="en-US" sz="1200" baseline="0" dirty="0" smtClean="0"/>
+                        <a:t> was not clean i.e. not from a competition or academic data set</a:t>
                       </a:r>
-                      <a:r>
-                        <a:rPr lang="en-US" sz="1400" baseline="0" dirty="0" err="1" smtClean="0"/>
-                        <a:t>i.e</a:t>
-                      </a:r>
-                      <a:r>
-                        <a:rPr lang="en-US" sz="1400" baseline="0" dirty="0" smtClean="0"/>
-                        <a:t> not from a competition or academic data set</a:t>
-                      </a:r>
-                      <a:endParaRPr lang="en-US" sz="1400" dirty="0"/>
+                      <a:endParaRPr lang="en-US" sz="1200" dirty="0"/>
                     </a:p>
                   </a:txBody>
                   <a:tcPr/>
@@ -5126,42 +5118,42 @@
                     <a:lstStyle/>
                     <a:p>
                       <a:r>
-                        <a:rPr lang="en-US" sz="1400" dirty="0" smtClean="0"/>
+                        <a:rPr lang="en-US" sz="1200" dirty="0" smtClean="0"/>
                         <a:t>Needed</a:t>
                       </a:r>
                       <a:r>
-                        <a:rPr lang="en-US" sz="1400" baseline="0" dirty="0" smtClean="0"/>
+                        <a:rPr lang="en-US" sz="1200" baseline="0" dirty="0" smtClean="0"/>
                         <a:t> insights  and </a:t>
                       </a:r>
                       <a:r>
-                        <a:rPr lang="en-US" sz="1400" baseline="0" dirty="0" err="1" smtClean="0"/>
+                        <a:rPr lang="en-US" sz="1200" baseline="0" dirty="0" err="1" smtClean="0"/>
                         <a:t>clean-up</a:t>
                       </a:r>
                       <a:r>
-                        <a:rPr lang="en-US" sz="1400" baseline="0" dirty="0" smtClean="0"/>
+                        <a:rPr lang="en-US" sz="1200" baseline="0" dirty="0" smtClean="0"/>
                         <a:t> from staff at CAGIS</a:t>
                       </a:r>
-                      <a:endParaRPr lang="en-US" sz="1400" dirty="0"/>
+                      <a:endParaRPr lang="en-US" sz="1200" dirty="0"/>
                     </a:p>
                   </a:txBody>
                   <a:tcPr/>
                 </a:tc>
               </a:tr>
-              <a:tr h="370840">
+              <a:tr h="448940">
                 <a:tc>
                   <a:txBody>
                     <a:bodyPr/>
                     <a:lstStyle/>
                     <a:p>
                       <a:r>
-                        <a:rPr lang="en-US" sz="1400" dirty="0" smtClean="0"/>
+                        <a:rPr lang="en-US" sz="1200" dirty="0" smtClean="0"/>
                         <a:t>Using</a:t>
                       </a:r>
                       <a:r>
-                        <a:rPr lang="en-US" sz="1400" baseline="0" dirty="0" smtClean="0"/>
+                        <a:rPr lang="en-US" sz="1200" baseline="0" dirty="0" smtClean="0"/>
                         <a:t> on-line geo-coding was  not reliable to get Longitude and Latitude</a:t>
                       </a:r>
-                      <a:endParaRPr lang="en-US" sz="1400" dirty="0"/>
+                      <a:endParaRPr lang="en-US" sz="1200" dirty="0"/>
                     </a:p>
                   </a:txBody>
                   <a:tcPr/>
@@ -5172,30 +5164,30 @@
                     <a:lstStyle/>
                     <a:p>
                       <a:r>
-                        <a:rPr lang="en-US" sz="1400" dirty="0" smtClean="0"/>
+                        <a:rPr lang="en-US" sz="1200" dirty="0" smtClean="0"/>
                         <a:t>Requested CAGIS to provide the location data</a:t>
                       </a:r>
-                      <a:endParaRPr lang="en-US" sz="1400" dirty="0"/>
+                      <a:endParaRPr lang="en-US" sz="1200" dirty="0"/>
                     </a:p>
                   </a:txBody>
                   <a:tcPr/>
                 </a:tc>
               </a:tr>
-              <a:tr h="370840">
+              <a:tr h="264082">
                 <a:tc>
                   <a:txBody>
                     <a:bodyPr/>
                     <a:lstStyle/>
                     <a:p>
                       <a:r>
-                        <a:rPr lang="en-US" sz="1400" dirty="0" smtClean="0"/>
+                        <a:rPr lang="en-US" sz="1200" dirty="0" smtClean="0"/>
                         <a:t>Data</a:t>
                       </a:r>
                       <a:r>
-                        <a:rPr lang="en-US" sz="1400" baseline="0" dirty="0" smtClean="0"/>
+                        <a:rPr lang="en-US" sz="1200" baseline="0" dirty="0" smtClean="0"/>
                         <a:t> was in 3 distinct fixed width format </a:t>
                       </a:r>
-                      <a:endParaRPr lang="en-US" sz="1400" dirty="0"/>
+                      <a:endParaRPr lang="en-US" sz="1200" dirty="0"/>
                     </a:p>
                   </a:txBody>
                   <a:tcPr/>
@@ -5206,46 +5198,46 @@
                     <a:lstStyle/>
                     <a:p>
                       <a:r>
-                        <a:rPr lang="en-US" sz="1400" dirty="0" smtClean="0"/>
+                        <a:rPr lang="en-US" sz="1200" dirty="0" smtClean="0"/>
                         <a:t>Different scripts were used to read in Data</a:t>
                       </a:r>
-                      <a:endParaRPr lang="en-US" sz="1400" dirty="0"/>
+                      <a:endParaRPr lang="en-US" sz="1200" dirty="0"/>
                     </a:p>
                   </a:txBody>
                   <a:tcPr/>
                 </a:tc>
               </a:tr>
-              <a:tr h="370840">
+              <a:tr h="633798">
                 <a:tc>
                   <a:txBody>
                     <a:bodyPr/>
                     <a:lstStyle/>
                     <a:p>
                       <a:r>
-                        <a:rPr lang="en-US" sz="1400" dirty="0" smtClean="0"/>
+                        <a:rPr lang="en-US" sz="1200" dirty="0" smtClean="0"/>
                         <a:t>Many</a:t>
                       </a:r>
                       <a:r>
-                        <a:rPr lang="en-US" sz="1400" baseline="0" dirty="0" smtClean="0"/>
+                        <a:rPr lang="en-US" sz="1200" baseline="0" dirty="0" smtClean="0"/>
                         <a:t> observations</a:t>
                       </a:r>
                       <a:r>
-                        <a:rPr lang="en-US" sz="1400" dirty="0" smtClean="0"/>
+                        <a:rPr lang="en-US" sz="1200" dirty="0" smtClean="0"/>
                         <a:t> for Test data</a:t>
                       </a:r>
                       <a:r>
-                        <a:rPr lang="en-US" sz="1400" baseline="0" dirty="0" smtClean="0"/>
+                        <a:rPr lang="en-US" sz="1200" baseline="0" dirty="0" smtClean="0"/>
                         <a:t> for </a:t>
                       </a:r>
                       <a:r>
-                        <a:rPr lang="en-US" sz="1400" dirty="0" smtClean="0"/>
+                        <a:rPr lang="en-US" sz="1200" dirty="0" smtClean="0"/>
                         <a:t>Year</a:t>
                       </a:r>
                       <a:r>
-                        <a:rPr lang="en-US" sz="1400" baseline="0" dirty="0" smtClean="0"/>
+                        <a:rPr lang="en-US" sz="1200" baseline="0" dirty="0" smtClean="0"/>
                         <a:t> 2015 seemed exactly the same as observations in test data  for 2014</a:t>
                       </a:r>
-                      <a:endParaRPr lang="en-US" sz="1400" dirty="0"/>
+                      <a:endParaRPr lang="en-US" sz="1200" dirty="0"/>
                     </a:p>
                   </a:txBody>
                   <a:tcPr/>
@@ -5256,34 +5248,34 @@
                     <a:lstStyle/>
                     <a:p>
                       <a:r>
-                        <a:rPr lang="en-US" sz="1400" dirty="0" smtClean="0"/>
+                        <a:rPr lang="en-US" sz="1200" dirty="0" smtClean="0"/>
                         <a:t>Data for 2015 was not</a:t>
                       </a:r>
                       <a:r>
-                        <a:rPr lang="en-US" sz="1400" baseline="0" dirty="0" smtClean="0"/>
+                        <a:rPr lang="en-US" sz="1200" baseline="0" dirty="0" smtClean="0"/>
                         <a:t> used for testing the model instead test-data was for Years 2013-2014</a:t>
                       </a:r>
-                      <a:endParaRPr lang="en-US" sz="1400" dirty="0"/>
+                      <a:endParaRPr lang="en-US" sz="1200" dirty="0"/>
                     </a:p>
                   </a:txBody>
                   <a:tcPr/>
                 </a:tc>
               </a:tr>
-              <a:tr h="370840">
+              <a:tr h="448940">
                 <a:tc>
                   <a:txBody>
                     <a:bodyPr/>
                     <a:lstStyle/>
                     <a:p>
                       <a:r>
-                        <a:rPr lang="en-US" sz="1400" dirty="0" smtClean="0"/>
+                        <a:rPr lang="en-US" sz="1200" dirty="0" smtClean="0"/>
                         <a:t>Performing time series on every parcel required</a:t>
                       </a:r>
                       <a:r>
-                        <a:rPr lang="en-US" sz="1400" baseline="0" dirty="0" smtClean="0"/>
+                        <a:rPr lang="en-US" sz="1200" baseline="0" dirty="0" smtClean="0"/>
                         <a:t> time and number crunching </a:t>
                       </a:r>
-                      <a:endParaRPr lang="en-US" sz="1400" dirty="0"/>
+                      <a:endParaRPr lang="en-US" sz="1200" dirty="0"/>
                     </a:p>
                   </a:txBody>
                   <a:tcPr/>
@@ -5294,34 +5286,34 @@
                     <a:lstStyle/>
                     <a:p>
                       <a:r>
-                        <a:rPr lang="en-US" sz="1400" dirty="0" smtClean="0"/>
+                        <a:rPr lang="en-US" sz="1200" dirty="0" smtClean="0"/>
                         <a:t>Used</a:t>
                       </a:r>
                       <a:r>
-                        <a:rPr lang="en-US" sz="1400" baseline="0" dirty="0" smtClean="0"/>
+                        <a:rPr lang="en-US" sz="1200" baseline="0" dirty="0" smtClean="0"/>
                         <a:t> Sampling, Dimension reduction, Clustering and limited the scope for convergence</a:t>
                       </a:r>
-                      <a:endParaRPr lang="en-US" sz="1400" dirty="0"/>
+                      <a:endParaRPr lang="en-US" sz="1200" dirty="0"/>
                     </a:p>
                   </a:txBody>
                   <a:tcPr/>
                 </a:tc>
               </a:tr>
-              <a:tr h="370840">
+              <a:tr h="448940">
                 <a:tc>
                   <a:txBody>
                     <a:bodyPr/>
                     <a:lstStyle/>
                     <a:p>
                       <a:r>
-                        <a:rPr lang="en-US" sz="1400" dirty="0" smtClean="0"/>
+                        <a:rPr lang="en-US" sz="1200" dirty="0" smtClean="0"/>
                         <a:t>I was unprepared</a:t>
                       </a:r>
                       <a:r>
-                        <a:rPr lang="en-US" sz="1400" baseline="0" dirty="0" smtClean="0"/>
+                        <a:rPr lang="en-US" sz="1200" baseline="0" dirty="0" smtClean="0"/>
                         <a:t> for the time it took to clean the raw data</a:t>
                       </a:r>
-                      <a:endParaRPr lang="en-US" sz="1400" dirty="0"/>
+                      <a:endParaRPr lang="en-US" sz="1200" dirty="0"/>
                     </a:p>
                   </a:txBody>
                   <a:tcPr/>
@@ -5332,14 +5324,68 @@
                     <a:lstStyle/>
                     <a:p>
                       <a:r>
-                        <a:rPr lang="en-US" sz="1400" dirty="0" smtClean="0"/>
+                        <a:rPr lang="en-US" sz="1200" dirty="0" smtClean="0"/>
                         <a:t>Reduced the scope to analysis</a:t>
                       </a:r>
                       <a:r>
-                        <a:rPr lang="en-US" sz="1400" baseline="0" dirty="0" smtClean="0"/>
+                        <a:rPr lang="en-US" sz="1200" baseline="0" dirty="0" smtClean="0"/>
                         <a:t> on MKT_TOTAL_VAL</a:t>
                       </a:r>
-                      <a:endParaRPr lang="en-US" sz="1400" dirty="0"/>
+                      <a:endParaRPr lang="en-US" sz="1200" dirty="0"/>
+                    </a:p>
+                  </a:txBody>
+                  <a:tcPr/>
+                </a:tc>
+              </a:tr>
+              <a:tr h="448940">
+                <a:tc>
+                  <a:txBody>
+                    <a:bodyPr/>
+                    <a:lstStyle/>
+                    <a:p>
+                      <a:r>
+                        <a:rPr lang="en-US" sz="1200" baseline="0" dirty="0" smtClean="0"/>
+                        <a:t>There was a file size limit on the upload of files to  </a:t>
+                      </a:r>
+                      <a:r>
+                        <a:rPr lang="en-US" sz="1200" baseline="0" dirty="0" err="1" smtClean="0"/>
+                        <a:t>git</a:t>
+                      </a:r>
+                      <a:r>
+                        <a:rPr lang="en-US" sz="1200" baseline="0" dirty="0" smtClean="0"/>
+                        <a:t>-hub </a:t>
+                      </a:r>
+                      <a:endParaRPr lang="en-US" sz="1200" dirty="0"/>
+                    </a:p>
+                  </a:txBody>
+                  <a:tcPr/>
+                </a:tc>
+                <a:tc>
+                  <a:txBody>
+                    <a:bodyPr/>
+                    <a:lstStyle/>
+                    <a:p>
+                      <a:r>
+                        <a:rPr lang="en-US" sz="1200" dirty="0" smtClean="0"/>
+                        <a:t>I used </a:t>
+                      </a:r>
+                      <a:r>
+                        <a:rPr lang="en-US" sz="1200" dirty="0" err="1" smtClean="0"/>
+                        <a:t>git</a:t>
+                      </a:r>
+                      <a:r>
+                        <a:rPr lang="en-US" sz="1200" baseline="0" dirty="0" smtClean="0"/>
+                        <a:t> </a:t>
+                      </a:r>
+                      <a:r>
+                        <a:rPr lang="en-US" sz="1200" baseline="0" dirty="0" err="1" smtClean="0"/>
+                        <a:t>lfs</a:t>
+                      </a:r>
+                      <a:r>
+                        <a:rPr lang="en-US" sz="1200" baseline="0" dirty="0" smtClean="0"/>
+                        <a:t> – Large File Systems</a:t>
+                      </a:r>
+                      <a:endParaRPr lang="en-US" sz="1200" dirty="0"/>
                     </a:p>
                   </a:txBody>
                   <a:tcPr/>
@@ -5739,7 +5785,7 @@
         <p:spPr/>
         <p:txBody>
           <a:bodyPr>
-            <a:normAutofit fontScale="92500" lnSpcReduction="20000"/>
+            <a:normAutofit fontScale="85000" lnSpcReduction="10000"/>
           </a:bodyPr>
           <a:lstStyle/>
           <a:p>
@@ -5751,14 +5797,16 @@
           <a:p>
             <a:r>
               <a:rPr lang="en-US" dirty="0" smtClean="0"/>
-              <a:t>The Analysis has been performed using the years the Street car was not yet in service</a:t>
+              <a:t>The Analysis has been performed using the years the Street car was not yet in service (only test runs had begun )</a:t>
             </a:r>
           </a:p>
           <a:p>
             <a:r>
               <a:rPr lang="en-US" dirty="0" smtClean="0"/>
-              <a:t>More recent data from Auditors office improve the accuracy of the forecast</a:t>
-            </a:r>
+              <a:t>More recent data from Auditors office would improve the accuracy of the forecast</a:t>
+            </a:r>
+          </a:p>
+          <a:p>
             <a:endParaRPr lang="en-US" dirty="0"/>
           </a:p>
         </p:txBody>

--- a/Reports/Final_Milestone/Final_ReportPresentation.pptx
+++ b/Reports/Final_Milestone/Final_ReportPresentation.pptx
@@ -4393,7 +4393,7 @@
           <a:p>
             <a:r>
               <a:rPr lang="en-US" i="1" dirty="0" smtClean="0"/>
-              <a:t>Mentor : Anirban Ghosh</a:t>
+              <a:t>Mentor: Anirban Ghosh</a:t>
             </a:r>
             <a:endParaRPr lang="en-US" i="1" dirty="0"/>
           </a:p>
@@ -8296,12 +8296,8 @@
           <a:lstStyle/>
           <a:p>
             <a:r>
-              <a:rPr lang="en-US" sz="2700" dirty="0" err="1" smtClean="0"/>
-              <a:t>Vizualization</a:t>
-            </a:r>
-            <a:r>
               <a:rPr lang="en-US" sz="2700" dirty="0" smtClean="0"/>
-              <a:t> </a:t>
+              <a:t>Visualization </a:t>
             </a:r>
             <a:r>
               <a:rPr lang="en-US" dirty="0" smtClean="0"/>
